--- a/presentation/week 9 Meeting.pptx
+++ b/presentation/week 9 Meeting.pptx
@@ -119,14 +119,6 @@
     </p:ext>
   </p:extLst>
 </p:presentation>
-</file>
-
-<file path=ppt/revisionInfo.xml><?xml version="1.0" encoding="utf-8"?>
-<p1510:revInfo xmlns:a="http://schemas.openxmlformats.org/drawingml/2006/main" xmlns:r="http://schemas.openxmlformats.org/officeDocument/2006/relationships" xmlns:p1510="http://schemas.microsoft.com/office/powerpoint/2015/10/main">
-  <p1510:revLst>
-    <p1510:client id="{F4FD172B-9109-4B50-AEB6-D9F236CB41B6}" v="2" dt="2021-11-28T23:45:03.922"/>
-  </p1510:revLst>
-</p1510:revInfo>
 </file>
 
 <file path=ppt/changesInfos/changesInfo1.xml><?xml version="1.0" encoding="utf-8"?>
@@ -476,6 +468,30 @@
       </pc:sldChg>
     </pc:docChg>
   </pc:docChgLst>
+  <pc:docChgLst>
+    <pc:chgData name="toby lee" userId="c2b0b406bfa6151f" providerId="LiveId" clId="{EF956EEC-8A4A-40F4-8DFB-FE90F481D407}"/>
+    <pc:docChg chg="undo custSel modSld">
+      <pc:chgData name="toby lee" userId="c2b0b406bfa6151f" providerId="LiveId" clId="{EF956EEC-8A4A-40F4-8DFB-FE90F481D407}" dt="2021-12-11T21:23:59.448" v="12" actId="20577"/>
+      <pc:docMkLst>
+        <pc:docMk/>
+      </pc:docMkLst>
+      <pc:sldChg chg="modSp mod">
+        <pc:chgData name="toby lee" userId="c2b0b406bfa6151f" providerId="LiveId" clId="{EF956EEC-8A4A-40F4-8DFB-FE90F481D407}" dt="2021-12-11T21:23:59.448" v="12" actId="20577"/>
+        <pc:sldMkLst>
+          <pc:docMk/>
+          <pc:sldMk cId="3956411206" sldId="256"/>
+        </pc:sldMkLst>
+        <pc:spChg chg="mod">
+          <ac:chgData name="toby lee" userId="c2b0b406bfa6151f" providerId="LiveId" clId="{EF956EEC-8A4A-40F4-8DFB-FE90F481D407}" dt="2021-12-11T21:23:59.448" v="12" actId="20577"/>
+          <ac:spMkLst>
+            <pc:docMk/>
+            <pc:sldMk cId="3956411206" sldId="256"/>
+            <ac:spMk id="3" creationId="{29796D7D-3175-4BB8-9B63-55C81B20C750}"/>
+          </ac:spMkLst>
+        </pc:spChg>
+      </pc:sldChg>
+    </pc:docChg>
+  </pc:docChgLst>
 </pc:chgInfo>
 </file>
 
@@ -717,7 +733,7 @@
           <a:p>
             <a:fld id="{ED291B17-9318-49DB-B28B-6E5994AE9581}" type="datetime1">
               <a:rPr lang="en-US" smtClean="0"/>
-              <a:t>11/29/2021</a:t>
+              <a:t>12/11/2021</a:t>
             </a:fld>
             <a:endParaRPr lang="en-US" dirty="0"/>
           </a:p>
@@ -920,7 +936,7 @@
           <a:p>
             <a:fld id="{2CED4963-E985-44C4-B8C4-FDD613B7C2F8}" type="datetime1">
               <a:rPr lang="en-US" smtClean="0"/>
-              <a:t>11/29/2021</a:t>
+              <a:t>12/11/2021</a:t>
             </a:fld>
             <a:endParaRPr lang="en-US" dirty="0"/>
           </a:p>
@@ -1282,7 +1298,7 @@
           <a:p>
             <a:fld id="{ED291B17-9318-49DB-B28B-6E5994AE9581}" type="datetime1">
               <a:rPr lang="en-US" smtClean="0"/>
-              <a:t>11/29/2021</a:t>
+              <a:t>12/11/2021</a:t>
             </a:fld>
             <a:endParaRPr lang="en-US" dirty="0"/>
           </a:p>
@@ -1480,7 +1496,7 @@
           <a:p>
             <a:fld id="{78DD82B9-B8EE-4375-B6FF-88FA6ABB15D9}" type="datetime1">
               <a:rPr lang="en-US" smtClean="0"/>
-              <a:t>11/29/2021</a:t>
+              <a:t>12/11/2021</a:t>
             </a:fld>
             <a:endParaRPr lang="en-US" dirty="0"/>
           </a:p>
@@ -1792,7 +1808,7 @@
           <a:p>
             <a:fld id="{B2497495-0637-405E-AE64-5CC7506D51F5}" type="datetime1">
               <a:rPr lang="en-US" smtClean="0"/>
-              <a:t>11/29/2021</a:t>
+              <a:t>12/11/2021</a:t>
             </a:fld>
             <a:endParaRPr lang="en-US" dirty="0"/>
           </a:p>
@@ -2045,7 +2061,7 @@
           <a:p>
             <a:fld id="{7BFFD690-9426-415D-8B65-26881E07B2D4}" type="datetime1">
               <a:rPr lang="en-US" smtClean="0"/>
-              <a:t>11/29/2021</a:t>
+              <a:t>12/11/2021</a:t>
             </a:fld>
             <a:endParaRPr lang="en-US" dirty="0"/>
           </a:p>
@@ -2467,7 +2483,7 @@
           <a:p>
             <a:fld id="{04C4989A-474C-40DE-95B9-011C28B71673}" type="datetime1">
               <a:rPr lang="en-US" smtClean="0"/>
-              <a:t>11/29/2021</a:t>
+              <a:t>12/11/2021</a:t>
             </a:fld>
             <a:endParaRPr lang="en-US" dirty="0"/>
           </a:p>
@@ -2590,7 +2606,7 @@
           <a:p>
             <a:fld id="{5DB4ED54-5B5E-4A04-93D3-5772E3CE3818}" type="datetime1">
               <a:rPr lang="en-US" smtClean="0"/>
-              <a:t>11/29/2021</a:t>
+              <a:t>12/11/2021</a:t>
             </a:fld>
             <a:endParaRPr lang="en-US" dirty="0"/>
           </a:p>
@@ -2685,7 +2701,7 @@
           <a:p>
             <a:fld id="{4EDE50D6-574B-40AF-946F-D52A04ADE379}" type="datetime1">
               <a:rPr lang="en-US" smtClean="0"/>
-              <a:t>11/29/2021</a:t>
+              <a:t>12/11/2021</a:t>
             </a:fld>
             <a:endParaRPr lang="en-US" dirty="0"/>
           </a:p>
@@ -3062,7 +3078,7 @@
           <a:p>
             <a:fld id="{D82884F1-FFEA-405F-9602-3DCA865EDA4E}" type="datetime1">
               <a:rPr lang="en-US" smtClean="0"/>
-              <a:t>11/29/2021</a:t>
+              <a:t>12/11/2021</a:t>
             </a:fld>
             <a:endParaRPr lang="en-US" dirty="0"/>
           </a:p>
@@ -3355,7 +3371,7 @@
           <a:p>
             <a:fld id="{7E18DB4A-8810-4A10-AD5C-D5E2C667F5B3}" type="datetime1">
               <a:rPr lang="en-US" smtClean="0"/>
-              <a:t>11/29/2021</a:t>
+              <a:t>12/11/2021</a:t>
             </a:fld>
             <a:endParaRPr lang="en-US" dirty="0"/>
           </a:p>
@@ -3570,7 +3586,7 @@
           <a:p>
             <a:fld id="{ED291B17-9318-49DB-B28B-6E5994AE9581}" type="datetime1">
               <a:rPr lang="en-US" smtClean="0"/>
-              <a:t>11/29/2021</a:t>
+              <a:t>12/11/2021</a:t>
             </a:fld>
             <a:endParaRPr lang="en-US" dirty="0"/>
           </a:p>
